--- a/V3/microwave_control/2019-12-09.microwave_control.pptx
+++ b/V3/microwave_control/2019-12-09.microwave_control.pptx
@@ -6,7 +6,7 @@
   </p:sldMasterIdLst>
   <p:sldIdLst>
     <p:sldId id="256" r:id="rId2"/>
-    <p:sldId id="257" r:id="rId3"/>
+    <p:sldId id="258" r:id="rId3"/>
   </p:sldIdLst>
   <p:sldSz cx="12192000" cy="6858000"/>
   <p:notesSz cx="6858000" cy="9144000"/>
@@ -105,6 +105,11 @@
       </a:defRPr>
     </a:lvl9pPr>
   </p:defaultTextStyle>
+  <p:extLst>
+    <p:ext uri="{EFAFB233-063F-42B5-8137-9DF3F51BA10A}">
+      <p15:sldGuideLst xmlns:p15="http://schemas.microsoft.com/office/powerpoint/2012/main"/>
+    </p:ext>
+  </p:extLst>
 </p:presentation>
 </file>
 
@@ -3047,38 +3052,802 @@
             <p:ph type="title"/>
           </p:nvPr>
         </p:nvSpPr>
-        <p:spPr/>
-        <p:txBody>
-          <a:bodyPr/>
-          <a:lstStyle/>
-          <a:p>
-            <a:endParaRPr lang="de-CH"/>
-          </a:p>
-        </p:txBody>
-      </p:sp>
-      <p:sp>
-        <p:nvSpPr>
-          <p:cNvPr id="3" name="Inhaltsplatzhalter 2"/>
-          <p:cNvSpPr>
-            <a:spLocks noGrp="1"/>
-          </p:cNvSpPr>
-          <p:nvPr>
-            <p:ph idx="1"/>
-          </p:nvPr>
-        </p:nvSpPr>
-        <p:spPr/>
-        <p:txBody>
-          <a:bodyPr/>
-          <a:lstStyle/>
-          <a:p>
-            <a:endParaRPr lang="de-CH"/>
+        <p:spPr>
+          <a:xfrm>
+            <a:off x="0" y="0"/>
+            <a:ext cx="10515600" cy="1325563"/>
+          </a:xfrm>
+        </p:spPr>
+        <p:txBody>
+          <a:bodyPr/>
+          <a:lstStyle/>
+          <a:p>
+            <a:r>
+              <a:rPr lang="en-US" dirty="0" smtClean="0"/>
+              <a:t>Layout of dash</a:t>
+            </a:r>
+            <a:endParaRPr lang="de-CH" dirty="0"/>
+          </a:p>
+        </p:txBody>
+      </p:sp>
+      <p:sp>
+        <p:nvSpPr>
+          <p:cNvPr id="21" name="Rechteck 20"/>
+          <p:cNvSpPr/>
+          <p:nvPr/>
+        </p:nvSpPr>
+        <p:spPr>
+          <a:xfrm>
+            <a:off x="5045825" y="631767"/>
+            <a:ext cx="1147158" cy="399011"/>
+          </a:xfrm>
+          <a:prstGeom prst="rect">
+            <a:avLst/>
+          </a:prstGeom>
+        </p:spPr>
+        <p:style>
+          <a:lnRef idx="2">
+            <a:schemeClr val="accent1">
+              <a:shade val="50000"/>
+            </a:schemeClr>
+          </a:lnRef>
+          <a:fillRef idx="1">
+            <a:schemeClr val="accent1"/>
+          </a:fillRef>
+          <a:effectRef idx="0">
+            <a:schemeClr val="accent1"/>
+          </a:effectRef>
+          <a:fontRef idx="minor">
+            <a:schemeClr val="lt1"/>
+          </a:fontRef>
+        </p:style>
+        <p:txBody>
+          <a:bodyPr rtlCol="0" anchor="ctr"/>
+          <a:lstStyle/>
+          <a:p>
+            <a:pPr algn="ctr"/>
+            <a:r>
+              <a:rPr lang="en-US" sz="1200" dirty="0" smtClean="0"/>
+              <a:t>Twofast-rpi3-0</a:t>
+            </a:r>
+            <a:endParaRPr lang="de-CH" sz="1200" dirty="0"/>
+          </a:p>
+        </p:txBody>
+      </p:sp>
+      <p:sp>
+        <p:nvSpPr>
+          <p:cNvPr id="22" name="Rechteck 21"/>
+          <p:cNvSpPr/>
+          <p:nvPr/>
+        </p:nvSpPr>
+        <p:spPr>
+          <a:xfrm>
+            <a:off x="4488873" y="1329402"/>
+            <a:ext cx="2261062" cy="399011"/>
+          </a:xfrm>
+          <a:prstGeom prst="rect">
+            <a:avLst/>
+          </a:prstGeom>
+        </p:spPr>
+        <p:style>
+          <a:lnRef idx="2">
+            <a:schemeClr val="accent2">
+              <a:shade val="50000"/>
+            </a:schemeClr>
+          </a:lnRef>
+          <a:fillRef idx="1">
+            <a:schemeClr val="accent2"/>
+          </a:fillRef>
+          <a:effectRef idx="0">
+            <a:schemeClr val="accent2"/>
+          </a:effectRef>
+          <a:fontRef idx="minor">
+            <a:schemeClr val="lt1"/>
+          </a:fontRef>
+        </p:style>
+        <p:txBody>
+          <a:bodyPr rtlCol="0" anchor="ctr"/>
+          <a:lstStyle/>
+          <a:p>
+            <a:pPr algn="ctr"/>
+            <a:r>
+              <a:rPr lang="en-US" sz="1200" dirty="0"/>
+              <a:t>Table  </a:t>
+            </a:r>
+            <a:r>
+              <a:rPr lang="en-US" sz="1200" dirty="0" err="1"/>
+              <a:t>microwave_motor_command</a:t>
+            </a:r>
+            <a:endParaRPr lang="de-CH" sz="1200" dirty="0"/>
+          </a:p>
+        </p:txBody>
+      </p:sp>
+      <p:pic>
+        <p:nvPicPr>
+          <p:cNvPr id="24" name="Grafik 23"/>
+          <p:cNvPicPr>
+            <a:picLocks noChangeAspect="1"/>
+          </p:cNvPicPr>
+          <p:nvPr/>
+        </p:nvPicPr>
+        <p:blipFill>
+          <a:blip r:embed="rId2"/>
+          <a:stretch>
+            <a:fillRect/>
+          </a:stretch>
+        </p:blipFill>
+        <p:spPr>
+          <a:xfrm>
+            <a:off x="6821545" y="1261688"/>
+            <a:ext cx="5514975" cy="466725"/>
+          </a:xfrm>
+          <a:prstGeom prst="rect">
+            <a:avLst/>
+          </a:prstGeom>
+        </p:spPr>
+      </p:pic>
+      <p:sp>
+        <p:nvSpPr>
+          <p:cNvPr id="25" name="Ellipse 24"/>
+          <p:cNvSpPr/>
+          <p:nvPr/>
+        </p:nvSpPr>
+        <p:spPr>
+          <a:xfrm>
+            <a:off x="2685011" y="2709949"/>
+            <a:ext cx="1629295" cy="972589"/>
+          </a:xfrm>
+          <a:prstGeom prst="ellipse">
+            <a:avLst/>
+          </a:prstGeom>
+        </p:spPr>
+        <p:style>
+          <a:lnRef idx="2">
+            <a:schemeClr val="accent4">
+              <a:shade val="50000"/>
+            </a:schemeClr>
+          </a:lnRef>
+          <a:fillRef idx="1">
+            <a:schemeClr val="accent4"/>
+          </a:fillRef>
+          <a:effectRef idx="0">
+            <a:schemeClr val="accent4"/>
+          </a:effectRef>
+          <a:fontRef idx="minor">
+            <a:schemeClr val="lt1"/>
+          </a:fontRef>
+        </p:style>
+        <p:txBody>
+          <a:bodyPr rtlCol="0" anchor="ctr"/>
+          <a:lstStyle/>
+          <a:p>
+            <a:pPr algn="ctr"/>
+            <a:r>
+              <a:rPr lang="en-US" sz="1200" dirty="0" smtClean="0"/>
+              <a:t>Inserts two rows (commands) with 3 sec delay</a:t>
+            </a:r>
+            <a:endParaRPr lang="de-CH" sz="1200" dirty="0"/>
+          </a:p>
+        </p:txBody>
+      </p:sp>
+      <p:sp>
+        <p:nvSpPr>
+          <p:cNvPr id="26" name="Rechteck 25"/>
+          <p:cNvSpPr/>
+          <p:nvPr/>
+        </p:nvSpPr>
+        <p:spPr>
+          <a:xfrm>
+            <a:off x="318655" y="2996737"/>
+            <a:ext cx="1147158" cy="399011"/>
+          </a:xfrm>
+          <a:prstGeom prst="rect">
+            <a:avLst/>
+          </a:prstGeom>
+        </p:spPr>
+        <p:style>
+          <a:lnRef idx="2">
+            <a:schemeClr val="accent1">
+              <a:shade val="50000"/>
+            </a:schemeClr>
+          </a:lnRef>
+          <a:fillRef idx="1">
+            <a:schemeClr val="accent1"/>
+          </a:fillRef>
+          <a:effectRef idx="0">
+            <a:schemeClr val="accent1"/>
+          </a:effectRef>
+          <a:fontRef idx="minor">
+            <a:schemeClr val="lt1"/>
+          </a:fontRef>
+        </p:style>
+        <p:txBody>
+          <a:bodyPr rtlCol="0" anchor="ctr"/>
+          <a:lstStyle/>
+          <a:p>
+            <a:pPr algn="ctr"/>
+            <a:r>
+              <a:rPr lang="en-US" sz="1200" dirty="0" smtClean="0"/>
+              <a:t>Dash: start/stop mw</a:t>
+            </a:r>
+            <a:endParaRPr lang="de-CH" sz="1200" dirty="0"/>
+          </a:p>
+        </p:txBody>
+      </p:sp>
+      <p:cxnSp>
+        <p:nvCxnSpPr>
+          <p:cNvPr id="28" name="Gerader Verbinder 27"/>
+          <p:cNvCxnSpPr>
+            <a:stCxn id="26" idx="3"/>
+            <a:endCxn id="25" idx="2"/>
+          </p:cNvCxnSpPr>
+          <p:nvPr/>
+        </p:nvCxnSpPr>
+        <p:spPr>
+          <a:xfrm>
+            <a:off x="1465813" y="3196243"/>
+            <a:ext cx="1219198" cy="1"/>
+          </a:xfrm>
+          <a:prstGeom prst="line">
+            <a:avLst/>
+          </a:prstGeom>
+        </p:spPr>
+        <p:style>
+          <a:lnRef idx="1">
+            <a:schemeClr val="accent1"/>
+          </a:lnRef>
+          <a:fillRef idx="0">
+            <a:schemeClr val="accent1"/>
+          </a:fillRef>
+          <a:effectRef idx="0">
+            <a:schemeClr val="accent1"/>
+          </a:effectRef>
+          <a:fontRef idx="minor">
+            <a:schemeClr val="tx1"/>
+          </a:fontRef>
+        </p:style>
+      </p:cxnSp>
+      <p:cxnSp>
+        <p:nvCxnSpPr>
+          <p:cNvPr id="30" name="Gewinkelter Verbinder 29"/>
+          <p:cNvCxnSpPr>
+            <a:stCxn id="25" idx="0"/>
+            <a:endCxn id="22" idx="1"/>
+          </p:cNvCxnSpPr>
+          <p:nvPr/>
+        </p:nvCxnSpPr>
+        <p:spPr>
+          <a:xfrm rot="5400000" flipH="1" flipV="1">
+            <a:off x="3403746" y="1624822"/>
+            <a:ext cx="1181041" cy="989214"/>
+          </a:xfrm>
+          <a:prstGeom prst="bentConnector2">
+            <a:avLst/>
+          </a:prstGeom>
+          <a:ln>
+            <a:tailEnd type="triangle"/>
+          </a:ln>
+        </p:spPr>
+        <p:style>
+          <a:lnRef idx="1">
+            <a:schemeClr val="accent1"/>
+          </a:lnRef>
+          <a:fillRef idx="0">
+            <a:schemeClr val="accent1"/>
+          </a:fillRef>
+          <a:effectRef idx="0">
+            <a:schemeClr val="accent1"/>
+          </a:effectRef>
+          <a:fontRef idx="minor">
+            <a:schemeClr val="tx1"/>
+          </a:fontRef>
+        </p:style>
+      </p:cxnSp>
+      <p:sp>
+        <p:nvSpPr>
+          <p:cNvPr id="31" name="Rechteck 30"/>
+          <p:cNvSpPr/>
+          <p:nvPr/>
+        </p:nvSpPr>
+        <p:spPr>
+          <a:xfrm>
+            <a:off x="5674387" y="6278880"/>
+            <a:ext cx="1147158" cy="399011"/>
+          </a:xfrm>
+          <a:prstGeom prst="rect">
+            <a:avLst/>
+          </a:prstGeom>
+        </p:spPr>
+        <p:style>
+          <a:lnRef idx="2">
+            <a:schemeClr val="accent1">
+              <a:shade val="50000"/>
+            </a:schemeClr>
+          </a:lnRef>
+          <a:fillRef idx="1">
+            <a:schemeClr val="accent1"/>
+          </a:fillRef>
+          <a:effectRef idx="0">
+            <a:schemeClr val="accent1"/>
+          </a:effectRef>
+          <a:fontRef idx="minor">
+            <a:schemeClr val="lt1"/>
+          </a:fontRef>
+        </p:style>
+        <p:txBody>
+          <a:bodyPr rtlCol="0" anchor="ctr"/>
+          <a:lstStyle/>
+          <a:p>
+            <a:pPr algn="ctr"/>
+            <a:r>
+              <a:rPr lang="en-US" sz="1200" dirty="0" smtClean="0"/>
+              <a:t>Twofast-rpi3-5</a:t>
+            </a:r>
+            <a:endParaRPr lang="de-CH" sz="1200" dirty="0"/>
+          </a:p>
+        </p:txBody>
+      </p:sp>
+      <p:sp>
+        <p:nvSpPr>
+          <p:cNvPr id="32" name="Ellipse 31"/>
+          <p:cNvSpPr/>
+          <p:nvPr/>
+        </p:nvSpPr>
+        <p:spPr>
+          <a:xfrm>
+            <a:off x="5244204" y="3889288"/>
+            <a:ext cx="2007524" cy="1313411"/>
+          </a:xfrm>
+          <a:prstGeom prst="ellipse">
+            <a:avLst/>
+          </a:prstGeom>
+        </p:spPr>
+        <p:style>
+          <a:lnRef idx="2">
+            <a:schemeClr val="accent4">
+              <a:shade val="50000"/>
+            </a:schemeClr>
+          </a:lnRef>
+          <a:fillRef idx="1">
+            <a:schemeClr val="accent4"/>
+          </a:fillRef>
+          <a:effectRef idx="0">
+            <a:schemeClr val="accent4"/>
+          </a:effectRef>
+          <a:fontRef idx="minor">
+            <a:schemeClr val="lt1"/>
+          </a:fontRef>
+        </p:style>
+        <p:txBody>
+          <a:bodyPr rtlCol="0" anchor="ctr"/>
+          <a:lstStyle/>
+          <a:p>
+            <a:pPr algn="ctr"/>
+            <a:r>
+              <a:rPr lang="en-US" sz="1200" dirty="0" smtClean="0"/>
+              <a:t>Queries table continuously, if a command with executed=0 is listed</a:t>
+            </a:r>
+            <a:endParaRPr lang="de-CH" sz="1200" dirty="0"/>
+          </a:p>
+        </p:txBody>
+      </p:sp>
+      <p:sp>
+        <p:nvSpPr>
+          <p:cNvPr id="33" name="Rechteck 32"/>
+          <p:cNvSpPr/>
+          <p:nvPr/>
+        </p:nvSpPr>
+        <p:spPr>
+          <a:xfrm>
+            <a:off x="5374566" y="5744945"/>
+            <a:ext cx="1746800" cy="399011"/>
+          </a:xfrm>
+          <a:prstGeom prst="rect">
+            <a:avLst/>
+          </a:prstGeom>
+        </p:spPr>
+        <p:style>
+          <a:lnRef idx="2">
+            <a:schemeClr val="accent2">
+              <a:shade val="50000"/>
+            </a:schemeClr>
+          </a:lnRef>
+          <a:fillRef idx="1">
+            <a:schemeClr val="accent2"/>
+          </a:fillRef>
+          <a:effectRef idx="0">
+            <a:schemeClr val="accent2"/>
+          </a:effectRef>
+          <a:fontRef idx="minor">
+            <a:schemeClr val="lt1"/>
+          </a:fontRef>
+        </p:style>
+        <p:txBody>
+          <a:bodyPr rtlCol="0" anchor="ctr"/>
+          <a:lstStyle/>
+          <a:p>
+            <a:pPr algn="ctr"/>
+            <a:r>
+              <a:rPr lang="de-CH" sz="1200" dirty="0"/>
+              <a:t>run_motor_control.sh</a:t>
+            </a:r>
+            <a:endParaRPr lang="de-CH" sz="1200" dirty="0"/>
+          </a:p>
+        </p:txBody>
+      </p:sp>
+      <p:cxnSp>
+        <p:nvCxnSpPr>
+          <p:cNvPr id="35" name="Gerader Verbinder 34"/>
+          <p:cNvCxnSpPr>
+            <a:stCxn id="33" idx="0"/>
+            <a:endCxn id="32" idx="4"/>
+          </p:cNvCxnSpPr>
+          <p:nvPr/>
+        </p:nvCxnSpPr>
+        <p:spPr>
+          <a:xfrm flipV="1">
+            <a:off x="6247966" y="5202699"/>
+            <a:ext cx="0" cy="542246"/>
+          </a:xfrm>
+          <a:prstGeom prst="line">
+            <a:avLst/>
+          </a:prstGeom>
+        </p:spPr>
+        <p:style>
+          <a:lnRef idx="1">
+            <a:schemeClr val="accent1"/>
+          </a:lnRef>
+          <a:fillRef idx="0">
+            <a:schemeClr val="accent1"/>
+          </a:fillRef>
+          <a:effectRef idx="0">
+            <a:schemeClr val="accent1"/>
+          </a:effectRef>
+          <a:fontRef idx="minor">
+            <a:schemeClr val="tx1"/>
+          </a:fontRef>
+        </p:style>
+      </p:cxnSp>
+      <p:sp>
+        <p:nvSpPr>
+          <p:cNvPr id="36" name="Rechteck 35"/>
+          <p:cNvSpPr/>
+          <p:nvPr/>
+        </p:nvSpPr>
+        <p:spPr>
+          <a:xfrm>
+            <a:off x="8328917" y="4346487"/>
+            <a:ext cx="1147158" cy="399011"/>
+          </a:xfrm>
+          <a:prstGeom prst="rect">
+            <a:avLst/>
+          </a:prstGeom>
+        </p:spPr>
+        <p:style>
+          <a:lnRef idx="2">
+            <a:schemeClr val="accent1">
+              <a:shade val="50000"/>
+            </a:schemeClr>
+          </a:lnRef>
+          <a:fillRef idx="1">
+            <a:schemeClr val="accent1"/>
+          </a:fillRef>
+          <a:effectRef idx="0">
+            <a:schemeClr val="accent1"/>
+          </a:effectRef>
+          <a:fontRef idx="minor">
+            <a:schemeClr val="lt1"/>
+          </a:fontRef>
+        </p:style>
+        <p:txBody>
+          <a:bodyPr rtlCol="0" anchor="ctr"/>
+          <a:lstStyle/>
+          <a:p>
+            <a:pPr algn="ctr"/>
+            <a:r>
+              <a:rPr lang="en-US" sz="1200" dirty="0" smtClean="0"/>
+              <a:t>Arduino</a:t>
+            </a:r>
+            <a:endParaRPr lang="de-CH" sz="1200" dirty="0"/>
+          </a:p>
+        </p:txBody>
+      </p:sp>
+      <p:cxnSp>
+        <p:nvCxnSpPr>
+          <p:cNvPr id="38" name="Gerade Verbindung mit Pfeil 37"/>
+          <p:cNvCxnSpPr>
+            <a:stCxn id="32" idx="6"/>
+            <a:endCxn id="36" idx="1"/>
+          </p:cNvCxnSpPr>
+          <p:nvPr/>
+        </p:nvCxnSpPr>
+        <p:spPr>
+          <a:xfrm flipV="1">
+            <a:off x="7251728" y="4545993"/>
+            <a:ext cx="1077189" cy="1"/>
+          </a:xfrm>
+          <a:prstGeom prst="straightConnector1">
+            <a:avLst/>
+          </a:prstGeom>
+          <a:ln>
+            <a:tailEnd type="triangle"/>
+          </a:ln>
+        </p:spPr>
+        <p:style>
+          <a:lnRef idx="1">
+            <a:schemeClr val="accent1"/>
+          </a:lnRef>
+          <a:fillRef idx="0">
+            <a:schemeClr val="accent1"/>
+          </a:fillRef>
+          <a:effectRef idx="0">
+            <a:schemeClr val="accent1"/>
+          </a:effectRef>
+          <a:fontRef idx="minor">
+            <a:schemeClr val="tx1"/>
+          </a:fontRef>
+        </p:style>
+      </p:cxnSp>
+      <p:sp>
+        <p:nvSpPr>
+          <p:cNvPr id="40" name="Rechteck 39"/>
+          <p:cNvSpPr/>
+          <p:nvPr/>
+        </p:nvSpPr>
+        <p:spPr>
+          <a:xfrm>
+            <a:off x="10495073" y="4346486"/>
+            <a:ext cx="1147158" cy="399011"/>
+          </a:xfrm>
+          <a:prstGeom prst="rect">
+            <a:avLst/>
+          </a:prstGeom>
+        </p:spPr>
+        <p:style>
+          <a:lnRef idx="2">
+            <a:schemeClr val="accent1">
+              <a:shade val="50000"/>
+            </a:schemeClr>
+          </a:lnRef>
+          <a:fillRef idx="1">
+            <a:schemeClr val="accent1"/>
+          </a:fillRef>
+          <a:effectRef idx="0">
+            <a:schemeClr val="accent1"/>
+          </a:effectRef>
+          <a:fontRef idx="minor">
+            <a:schemeClr val="lt1"/>
+          </a:fontRef>
+        </p:style>
+        <p:txBody>
+          <a:bodyPr rtlCol="0" anchor="ctr"/>
+          <a:lstStyle/>
+          <a:p>
+            <a:pPr algn="ctr"/>
+            <a:r>
+              <a:rPr lang="en-US" sz="1200" dirty="0" smtClean="0"/>
+              <a:t>Motor</a:t>
+            </a:r>
+            <a:endParaRPr lang="de-CH" sz="1200" dirty="0"/>
+          </a:p>
+        </p:txBody>
+      </p:sp>
+      <p:cxnSp>
+        <p:nvCxnSpPr>
+          <p:cNvPr id="42" name="Gerade Verbindung mit Pfeil 41"/>
+          <p:cNvCxnSpPr>
+            <a:stCxn id="36" idx="3"/>
+          </p:cNvCxnSpPr>
+          <p:nvPr/>
+        </p:nvCxnSpPr>
+        <p:spPr>
+          <a:xfrm flipV="1">
+            <a:off x="9476075" y="4545991"/>
+            <a:ext cx="1147590" cy="2"/>
+          </a:xfrm>
+          <a:prstGeom prst="straightConnector1">
+            <a:avLst/>
+          </a:prstGeom>
+          <a:ln>
+            <a:tailEnd type="triangle"/>
+          </a:ln>
+        </p:spPr>
+        <p:style>
+          <a:lnRef idx="1">
+            <a:schemeClr val="accent1"/>
+          </a:lnRef>
+          <a:fillRef idx="0">
+            <a:schemeClr val="accent1"/>
+          </a:fillRef>
+          <a:effectRef idx="0">
+            <a:schemeClr val="accent1"/>
+          </a:effectRef>
+          <a:fontRef idx="minor">
+            <a:schemeClr val="tx1"/>
+          </a:fontRef>
+        </p:style>
+      </p:cxnSp>
+      <p:sp>
+        <p:nvSpPr>
+          <p:cNvPr id="43" name="Textfeld 42"/>
+          <p:cNvSpPr txBox="1"/>
+          <p:nvPr/>
+        </p:nvSpPr>
+        <p:spPr>
+          <a:xfrm>
+            <a:off x="7251728" y="4305951"/>
+            <a:ext cx="1077189" cy="954107"/>
+          </a:xfrm>
+          <a:prstGeom prst="rect">
+            <a:avLst/>
+          </a:prstGeom>
+          <a:noFill/>
+        </p:spPr>
+        <p:txBody>
+          <a:bodyPr wrap="square" rtlCol="0">
+            <a:spAutoFit/>
+          </a:bodyPr>
+          <a:lstStyle/>
+          <a:p>
+            <a:r>
+              <a:rPr lang="en-US" sz="1400" dirty="0" smtClean="0"/>
+              <a:t>Sends command</a:t>
+            </a:r>
+          </a:p>
+          <a:p>
+            <a:r>
+              <a:rPr lang="en-US" sz="1400" dirty="0" smtClean="0"/>
+              <a:t>(value, delay)</a:t>
+            </a:r>
+            <a:endParaRPr lang="de-CH" sz="1400" dirty="0"/>
+          </a:p>
+        </p:txBody>
+      </p:sp>
+      <p:sp>
+        <p:nvSpPr>
+          <p:cNvPr id="44" name="Textfeld 43"/>
+          <p:cNvSpPr txBox="1"/>
+          <p:nvPr/>
+        </p:nvSpPr>
+        <p:spPr>
+          <a:xfrm>
+            <a:off x="9579032" y="4284381"/>
+            <a:ext cx="1077189" cy="523220"/>
+          </a:xfrm>
+          <a:prstGeom prst="rect">
+            <a:avLst/>
+          </a:prstGeom>
+          <a:noFill/>
+        </p:spPr>
+        <p:txBody>
+          <a:bodyPr wrap="square" rtlCol="0">
+            <a:spAutoFit/>
+          </a:bodyPr>
+          <a:lstStyle/>
+          <a:p>
+            <a:r>
+              <a:rPr lang="en-US" sz="1400" dirty="0" smtClean="0"/>
+              <a:t>Turns </a:t>
+            </a:r>
+          </a:p>
+          <a:p>
+            <a:r>
+              <a:rPr lang="en-US" sz="1400" dirty="0" smtClean="0"/>
+              <a:t>motor</a:t>
+            </a:r>
+            <a:endParaRPr lang="de-CH" sz="1400" dirty="0"/>
+          </a:p>
+        </p:txBody>
+      </p:sp>
+      <p:cxnSp>
+        <p:nvCxnSpPr>
+          <p:cNvPr id="46" name="Gewinkelter Verbinder 45"/>
+          <p:cNvCxnSpPr>
+            <a:stCxn id="32" idx="0"/>
+            <a:endCxn id="22" idx="2"/>
+          </p:cNvCxnSpPr>
+          <p:nvPr/>
+        </p:nvCxnSpPr>
+        <p:spPr>
+          <a:xfrm rot="16200000" flipV="1">
+            <a:off x="4853248" y="2494570"/>
+            <a:ext cx="2160875" cy="628562"/>
+          </a:xfrm>
+          <a:prstGeom prst="bentConnector3">
+            <a:avLst/>
+          </a:prstGeom>
+          <a:ln>
+            <a:tailEnd type="triangle"/>
+          </a:ln>
+        </p:spPr>
+        <p:style>
+          <a:lnRef idx="1">
+            <a:schemeClr val="accent1"/>
+          </a:lnRef>
+          <a:fillRef idx="0">
+            <a:schemeClr val="accent1"/>
+          </a:fillRef>
+          <a:effectRef idx="0">
+            <a:schemeClr val="accent1"/>
+          </a:effectRef>
+          <a:fontRef idx="minor">
+            <a:schemeClr val="tx1"/>
+          </a:fontRef>
+        </p:style>
+      </p:cxnSp>
+      <p:sp>
+        <p:nvSpPr>
+          <p:cNvPr id="47" name="Rechteck 46"/>
+          <p:cNvSpPr/>
+          <p:nvPr/>
+        </p:nvSpPr>
+        <p:spPr>
+          <a:xfrm>
+            <a:off x="318655" y="3651209"/>
+            <a:ext cx="1988024" cy="1569660"/>
+          </a:xfrm>
+          <a:prstGeom prst="rect">
+            <a:avLst/>
+          </a:prstGeom>
+        </p:spPr>
+        <p:txBody>
+          <a:bodyPr wrap="square">
+            <a:spAutoFit/>
+          </a:bodyPr>
+          <a:lstStyle/>
+          <a:p>
+            <a:pPr marL="171450" indent="-171450">
+              <a:buFontTx/>
+              <a:buChar char="-"/>
+            </a:pPr>
+            <a:r>
+              <a:rPr lang="de-CH" sz="1200" dirty="0" smtClean="0"/>
+              <a:t>H</a:t>
+            </a:r>
+            <a:r>
+              <a:rPr lang="de-CH" sz="1200" dirty="0"/>
+              <a:t>:\</a:t>
+            </a:r>
+            <a:r>
+              <a:rPr lang="de-CH" sz="1200" dirty="0" smtClean="0"/>
+              <a:t>hkromer\17_github\2019-12\dash_NG\V3\index.py</a:t>
+            </a:r>
+          </a:p>
+          <a:p>
+            <a:pPr marL="171450" indent="-171450">
+              <a:buFontTx/>
+              <a:buChar char="-"/>
+            </a:pPr>
+            <a:r>
+              <a:rPr lang="en-US" sz="1200" dirty="0" smtClean="0"/>
+              <a:t>Execute on pc9293 in environment </a:t>
+            </a:r>
+            <a:r>
+              <a:rPr lang="en-US" sz="1200" dirty="0" err="1" smtClean="0"/>
+              <a:t>dash_readout</a:t>
+            </a:r>
+            <a:endParaRPr lang="de-CH" sz="1200" dirty="0" smtClean="0"/>
+          </a:p>
+          <a:p>
+            <a:pPr marL="171450" indent="-171450">
+              <a:buFontTx/>
+              <a:buChar char="-"/>
+            </a:pPr>
+            <a:endParaRPr lang="en-US" sz="1200" dirty="0"/>
+          </a:p>
+          <a:p>
+            <a:pPr marL="171450" indent="-171450">
+              <a:buFontTx/>
+              <a:buChar char="-"/>
+            </a:pPr>
+            <a:endParaRPr lang="de-CH" sz="1200" dirty="0"/>
           </a:p>
         </p:txBody>
       </p:sp>
     </p:spTree>
     <p:extLst>
       <p:ext uri="{BB962C8B-B14F-4D97-AF65-F5344CB8AC3E}">
-        <p14:creationId xmlns:p14="http://schemas.microsoft.com/office/powerpoint/2010/main" val="1620764040"/>
+        <p14:creationId xmlns:p14="http://schemas.microsoft.com/office/powerpoint/2010/main" val="2177609990"/>
       </p:ext>
     </p:extLst>
   </p:cSld>
